--- a/linters/Linters.pptx
+++ b/linters/Linters.pptx
@@ -7,7 +7,7 @@
     <p:sldMasterId id="2147484842" r:id="rId6"/>
   </p:sldMasterIdLst>
   <p:notesMasterIdLst>
-    <p:notesMasterId r:id="rId18"/>
+    <p:notesMasterId r:id="rId19"/>
   </p:notesMasterIdLst>
   <p:sldIdLst>
     <p:sldId id="1234" r:id="rId7"/>
@@ -20,7 +20,8 @@
     <p:sldId id="1242" r:id="rId14"/>
     <p:sldId id="1243" r:id="rId15"/>
     <p:sldId id="1244" r:id="rId16"/>
-    <p:sldId id="1206" r:id="rId17"/>
+    <p:sldId id="1245" r:id="rId17"/>
+    <p:sldId id="1206" r:id="rId18"/>
   </p:sldIdLst>
   <p:sldSz cx="12192000" cy="6858000"/>
   <p:notesSz cx="6858000" cy="9144000"/>
@@ -164,6 +165,7 @@
             <p14:sldId id="1242"/>
             <p14:sldId id="1243"/>
             <p14:sldId id="1244"/>
+            <p14:sldId id="1245"/>
             <p14:sldId id="1206"/>
           </p14:sldIdLst>
         </p14:section>
@@ -1882,7 +1884,7 @@
           <p:cNvPr id="8" name="Picture 7">
             <a:extLst>
               <a:ext uri="{FF2B5EF4-FFF2-40B4-BE49-F238E27FC236}">
-                <a16:creationId xmlns="" xmlns:a16="http://schemas.microsoft.com/office/drawing/2014/main" id="{1CF45043-0DF6-7844-A454-194D648F98F1}"/>
+                <a16:creationId xmlns:a16="http://schemas.microsoft.com/office/drawing/2014/main" xmlns="" id="{1CF45043-0DF6-7844-A454-194D648F98F1}"/>
               </a:ext>
             </a:extLst>
           </p:cNvPr>
@@ -1912,7 +1914,7 @@
           <p:cNvPr id="10" name="Title 8">
             <a:extLst>
               <a:ext uri="{FF2B5EF4-FFF2-40B4-BE49-F238E27FC236}">
-                <a16:creationId xmlns="" xmlns:a16="http://schemas.microsoft.com/office/drawing/2014/main" id="{353C5CCE-34CF-4745-B8D7-AF744DB56245}"/>
+                <a16:creationId xmlns:a16="http://schemas.microsoft.com/office/drawing/2014/main" xmlns="" id="{353C5CCE-34CF-4745-B8D7-AF744DB56245}"/>
               </a:ext>
             </a:extLst>
           </p:cNvPr>
@@ -2623,7 +2625,7 @@
           <p:cNvPr id="10" name="Title 1">
             <a:extLst>
               <a:ext uri="{FF2B5EF4-FFF2-40B4-BE49-F238E27FC236}">
-                <a16:creationId xmlns="" xmlns:a16="http://schemas.microsoft.com/office/drawing/2014/main" id="{B4B68A2E-49F8-4BDA-BD1A-488169336555}"/>
+                <a16:creationId xmlns:a16="http://schemas.microsoft.com/office/drawing/2014/main" xmlns="" id="{B4B68A2E-49F8-4BDA-BD1A-488169336555}"/>
               </a:ext>
             </a:extLst>
           </p:cNvPr>
@@ -3002,7 +3004,7 @@
           <p:cNvPr id="7" name="Picture 6">
             <a:extLst>
               <a:ext uri="{FF2B5EF4-FFF2-40B4-BE49-F238E27FC236}">
-                <a16:creationId xmlns="" xmlns:a16="http://schemas.microsoft.com/office/drawing/2014/main" id="{19906801-963A-2748-A48D-2607EEFEA3B7}"/>
+                <a16:creationId xmlns:a16="http://schemas.microsoft.com/office/drawing/2014/main" xmlns="" id="{19906801-963A-2748-A48D-2607EEFEA3B7}"/>
               </a:ext>
             </a:extLst>
           </p:cNvPr>
@@ -3119,7 +3121,7 @@
           <p:cNvPr id="8" name="Picture 7">
             <a:extLst>
               <a:ext uri="{FF2B5EF4-FFF2-40B4-BE49-F238E27FC236}">
-                <a16:creationId xmlns="" xmlns:a16="http://schemas.microsoft.com/office/drawing/2014/main" id="{1CF45043-0DF6-7844-A454-194D648F98F1}"/>
+                <a16:creationId xmlns:a16="http://schemas.microsoft.com/office/drawing/2014/main" xmlns="" id="{1CF45043-0DF6-7844-A454-194D648F98F1}"/>
               </a:ext>
             </a:extLst>
           </p:cNvPr>
@@ -3149,7 +3151,7 @@
           <p:cNvPr id="10" name="Title 8">
             <a:extLst>
               <a:ext uri="{FF2B5EF4-FFF2-40B4-BE49-F238E27FC236}">
-                <a16:creationId xmlns="" xmlns:a16="http://schemas.microsoft.com/office/drawing/2014/main" id="{353C5CCE-34CF-4745-B8D7-AF744DB56245}"/>
+                <a16:creationId xmlns:a16="http://schemas.microsoft.com/office/drawing/2014/main" xmlns="" id="{353C5CCE-34CF-4745-B8D7-AF744DB56245}"/>
               </a:ext>
             </a:extLst>
           </p:cNvPr>
@@ -3364,7 +3366,7 @@
           <p:cNvPr id="7" name="Picture 6">
             <a:extLst>
               <a:ext uri="{FF2B5EF4-FFF2-40B4-BE49-F238E27FC236}">
-                <a16:creationId xmlns="" xmlns:a16="http://schemas.microsoft.com/office/drawing/2014/main" id="{19906801-963A-2748-A48D-2607EEFEA3B7}"/>
+                <a16:creationId xmlns:a16="http://schemas.microsoft.com/office/drawing/2014/main" xmlns="" id="{19906801-963A-2748-A48D-2607EEFEA3B7}"/>
               </a:ext>
             </a:extLst>
           </p:cNvPr>
@@ -4066,7 +4068,7 @@
           <p:cNvPr id="9" name="Picture 8">
             <a:extLst>
               <a:ext uri="{FF2B5EF4-FFF2-40B4-BE49-F238E27FC236}">
-                <a16:creationId xmlns="" xmlns:a16="http://schemas.microsoft.com/office/drawing/2014/main" id="{21C47469-3B03-E44C-89B5-F697BC2200BB}"/>
+                <a16:creationId xmlns:a16="http://schemas.microsoft.com/office/drawing/2014/main" xmlns="" id="{21C47469-3B03-E44C-89B5-F697BC2200BB}"/>
               </a:ext>
             </a:extLst>
           </p:cNvPr>
@@ -4229,7 +4231,7 @@
           <p:cNvPr id="7" name="Picture 6">
             <a:extLst>
               <a:ext uri="{FF2B5EF4-FFF2-40B4-BE49-F238E27FC236}">
-                <a16:creationId xmlns="" xmlns:a16="http://schemas.microsoft.com/office/drawing/2014/main" id="{19906801-963A-2748-A48D-2607EEFEA3B7}"/>
+                <a16:creationId xmlns:a16="http://schemas.microsoft.com/office/drawing/2014/main" xmlns="" id="{19906801-963A-2748-A48D-2607EEFEA3B7}"/>
               </a:ext>
             </a:extLst>
           </p:cNvPr>
@@ -5846,7 +5848,7 @@
           <p:cNvPr id="10" name="Title 1">
             <a:extLst>
               <a:ext uri="{FF2B5EF4-FFF2-40B4-BE49-F238E27FC236}">
-                <a16:creationId xmlns="" xmlns:a16="http://schemas.microsoft.com/office/drawing/2014/main" id="{B4B68A2E-49F8-4BDA-BD1A-488169336555}"/>
+                <a16:creationId xmlns:a16="http://schemas.microsoft.com/office/drawing/2014/main" xmlns="" id="{B4B68A2E-49F8-4BDA-BD1A-488169336555}"/>
               </a:ext>
             </a:extLst>
           </p:cNvPr>
@@ -6019,7 +6021,7 @@
           <p:cNvPr id="7" name="Picture 6">
             <a:extLst>
               <a:ext uri="{FF2B5EF4-FFF2-40B4-BE49-F238E27FC236}">
-                <a16:creationId xmlns="" xmlns:a16="http://schemas.microsoft.com/office/drawing/2014/main" id="{19906801-963A-2748-A48D-2607EEFEA3B7}"/>
+                <a16:creationId xmlns:a16="http://schemas.microsoft.com/office/drawing/2014/main" xmlns="" id="{19906801-963A-2748-A48D-2607EEFEA3B7}"/>
               </a:ext>
             </a:extLst>
           </p:cNvPr>
@@ -6424,7 +6426,7 @@
           <p:cNvPr id="8" name="Picture 7">
             <a:extLst>
               <a:ext uri="{FF2B5EF4-FFF2-40B4-BE49-F238E27FC236}">
-                <a16:creationId xmlns="" xmlns:a16="http://schemas.microsoft.com/office/drawing/2014/main" id="{1CF45043-0DF6-7844-A454-194D648F98F1}"/>
+                <a16:creationId xmlns:a16="http://schemas.microsoft.com/office/drawing/2014/main" xmlns="" id="{1CF45043-0DF6-7844-A454-194D648F98F1}"/>
               </a:ext>
             </a:extLst>
           </p:cNvPr>
@@ -6585,7 +6587,7 @@
           <p:cNvPr id="7" name="Picture 6">
             <a:extLst>
               <a:ext uri="{FF2B5EF4-FFF2-40B4-BE49-F238E27FC236}">
-                <a16:creationId xmlns="" xmlns:a16="http://schemas.microsoft.com/office/drawing/2014/main" id="{19906801-963A-2748-A48D-2607EEFEA3B7}"/>
+                <a16:creationId xmlns:a16="http://schemas.microsoft.com/office/drawing/2014/main" xmlns="" id="{19906801-963A-2748-A48D-2607EEFEA3B7}"/>
               </a:ext>
             </a:extLst>
           </p:cNvPr>
@@ -6777,7 +6779,7 @@
           <p:cNvPr id="6" name="Text Placeholder 6">
             <a:extLst>
               <a:ext uri="{FF2B5EF4-FFF2-40B4-BE49-F238E27FC236}">
-                <a16:creationId xmlns="" xmlns:a16="http://schemas.microsoft.com/office/drawing/2014/main" id="{6DDF5AB6-195E-47F9-91E3-98E599C01EFB}"/>
+                <a16:creationId xmlns:a16="http://schemas.microsoft.com/office/drawing/2014/main" xmlns="" id="{6DDF5AB6-195E-47F9-91E3-98E599C01EFB}"/>
               </a:ext>
             </a:extLst>
           </p:cNvPr>
@@ -6919,7 +6921,7 @@
           <p:cNvPr id="9" name="Rectangle 8">
             <a:extLst>
               <a:ext uri="{FF2B5EF4-FFF2-40B4-BE49-F238E27FC236}">
-                <a16:creationId xmlns="" xmlns:a16="http://schemas.microsoft.com/office/drawing/2014/main" id="{9CC0A6A9-FB31-4A19-A170-D23A18C938E0}"/>
+                <a16:creationId xmlns:a16="http://schemas.microsoft.com/office/drawing/2014/main" xmlns="" id="{9CC0A6A9-FB31-4A19-A170-D23A18C938E0}"/>
               </a:ext>
             </a:extLst>
           </p:cNvPr>
@@ -7399,7 +7401,7 @@
           <p:cNvPr id="9" name="Picture 8">
             <a:extLst>
               <a:ext uri="{FF2B5EF4-FFF2-40B4-BE49-F238E27FC236}">
-                <a16:creationId xmlns="" xmlns:a16="http://schemas.microsoft.com/office/drawing/2014/main" id="{320D1B1E-8401-8049-8729-0C74A6C1928C}"/>
+                <a16:creationId xmlns:a16="http://schemas.microsoft.com/office/drawing/2014/main" xmlns="" id="{320D1B1E-8401-8049-8729-0C74A6C1928C}"/>
               </a:ext>
             </a:extLst>
           </p:cNvPr>
@@ -9944,7 +9946,7 @@
           <p:cNvPr id="22" name="Picture 21">
             <a:extLst>
               <a:ext uri="{FF2B5EF4-FFF2-40B4-BE49-F238E27FC236}">
-                <a16:creationId xmlns="" xmlns:a16="http://schemas.microsoft.com/office/drawing/2014/main" id="{D2C70A87-6824-3248-B448-307E7C5BC0C9}"/>
+                <a16:creationId xmlns:a16="http://schemas.microsoft.com/office/drawing/2014/main" xmlns="" id="{D2C70A87-6824-3248-B448-307E7C5BC0C9}"/>
               </a:ext>
             </a:extLst>
           </p:cNvPr>
@@ -10586,7 +10588,7 @@
           <p:cNvPr id="9" name="Picture 8">
             <a:extLst>
               <a:ext uri="{FF2B5EF4-FFF2-40B4-BE49-F238E27FC236}">
-                <a16:creationId xmlns="" xmlns:a16="http://schemas.microsoft.com/office/drawing/2014/main" id="{21C47469-3B03-E44C-89B5-F697BC2200BB}"/>
+                <a16:creationId xmlns:a16="http://schemas.microsoft.com/office/drawing/2014/main" xmlns="" id="{21C47469-3B03-E44C-89B5-F697BC2200BB}"/>
               </a:ext>
             </a:extLst>
           </p:cNvPr>
@@ -13052,7 +13054,7 @@
           <p:cNvPr id="10" name="Title 9">
             <a:extLst>
               <a:ext uri="{FF2B5EF4-FFF2-40B4-BE49-F238E27FC236}">
-                <a16:creationId xmlns="" xmlns:a16="http://schemas.microsoft.com/office/drawing/2014/main" id="{C2C01860-88AA-4983-9D84-DB6CD67B99FA}"/>
+                <a16:creationId xmlns:a16="http://schemas.microsoft.com/office/drawing/2014/main" xmlns="" id="{C2C01860-88AA-4983-9D84-DB6CD67B99FA}"/>
               </a:ext>
             </a:extLst>
           </p:cNvPr>
@@ -13106,7 +13108,7 @@
           <p:cNvPr id="11" name="Text Placeholder 10">
             <a:extLst>
               <a:ext uri="{FF2B5EF4-FFF2-40B4-BE49-F238E27FC236}">
-                <a16:creationId xmlns="" xmlns:a16="http://schemas.microsoft.com/office/drawing/2014/main" id="{CF3D1018-5EBF-47E8-BCA9-73CE5FFDDFC4}"/>
+                <a16:creationId xmlns:a16="http://schemas.microsoft.com/office/drawing/2014/main" xmlns="" id="{CF3D1018-5EBF-47E8-BCA9-73CE5FFDDFC4}"/>
               </a:ext>
             </a:extLst>
           </p:cNvPr>
@@ -13352,6 +13354,86 @@
 </file>
 
 <file path=ppt/slides/slide11.xml><?xml version="1.0" encoding="utf-8"?>
+<p:sld xmlns:a="http://schemas.openxmlformats.org/drawingml/2006/main" xmlns:r="http://schemas.openxmlformats.org/officeDocument/2006/relationships" xmlns:p="http://schemas.openxmlformats.org/presentationml/2006/main">
+  <p:cSld>
+    <p:spTree>
+      <p:nvGrpSpPr>
+        <p:cNvPr id="1" name=""/>
+        <p:cNvGrpSpPr/>
+        <p:nvPr/>
+      </p:nvGrpSpPr>
+      <p:grpSpPr>
+        <a:xfrm>
+          <a:off x="0" y="0"/>
+          <a:ext cx="0" cy="0"/>
+          <a:chOff x="0" y="0"/>
+          <a:chExt cx="0" cy="0"/>
+        </a:xfrm>
+      </p:grpSpPr>
+      <p:sp>
+        <p:nvSpPr>
+          <p:cNvPr id="2" name="Заголовок 1"/>
+          <p:cNvSpPr>
+            <a:spLocks noGrp="1"/>
+          </p:cNvSpPr>
+          <p:nvPr>
+            <p:ph type="title"/>
+          </p:nvPr>
+        </p:nvSpPr>
+        <p:spPr/>
+        <p:txBody>
+          <a:bodyPr/>
+          <a:lstStyle/>
+          <a:p>
+            <a:r>
+              <a:rPr lang="en-US" dirty="0" err="1" smtClean="0"/>
+              <a:t>Userful</a:t>
+            </a:r>
+            <a:r>
+              <a:rPr lang="en-US" dirty="0" smtClean="0"/>
+              <a:t> links</a:t>
+            </a:r>
+            <a:endParaRPr lang="uk-UA" dirty="0"/>
+          </a:p>
+        </p:txBody>
+      </p:sp>
+      <p:sp>
+        <p:nvSpPr>
+          <p:cNvPr id="3" name="Місце для тексту 2"/>
+          <p:cNvSpPr>
+            <a:spLocks noGrp="1"/>
+          </p:cNvSpPr>
+          <p:nvPr>
+            <p:ph type="body" sz="quarter" idx="10"/>
+          </p:nvPr>
+        </p:nvSpPr>
+        <p:spPr/>
+        <p:txBody>
+          <a:bodyPr/>
+          <a:lstStyle/>
+          <a:p>
+            <a:r>
+              <a:rPr lang="en-US" dirty="0"/>
+              <a:t>http://linterrors.com/js</a:t>
+            </a:r>
+            <a:endParaRPr lang="uk-UA" dirty="0"/>
+          </a:p>
+        </p:txBody>
+      </p:sp>
+    </p:spTree>
+    <p:extLst>
+      <p:ext uri="{BB962C8B-B14F-4D97-AF65-F5344CB8AC3E}">
+        <p14:creationId xmlns:p14="http://schemas.microsoft.com/office/powerpoint/2010/main" val="1299806939"/>
+      </p:ext>
+    </p:extLst>
+  </p:cSld>
+  <p:clrMapOvr>
+    <a:masterClrMapping/>
+  </p:clrMapOvr>
+</p:sld>
+</file>
+
+<file path=ppt/slides/slide12.xml><?xml version="1.0" encoding="utf-8"?>
 <p:sld xmlns:a="http://schemas.openxmlformats.org/drawingml/2006/main" xmlns:r="http://schemas.openxmlformats.org/officeDocument/2006/relationships" xmlns:p="http://schemas.openxmlformats.org/presentationml/2006/main">
   <p:cSld>
     <p:spTree>
@@ -13437,7 +13519,7 @@
           <p:cNvPr id="4" name="Title 3">
             <a:extLst>
               <a:ext uri="{FF2B5EF4-FFF2-40B4-BE49-F238E27FC236}">
-                <a16:creationId xmlns="" xmlns:a16="http://schemas.microsoft.com/office/drawing/2014/main" id="{9C0E98AF-C5CD-4FAB-A01E-D24E37D15F8E}"/>
+                <a16:creationId xmlns:a16="http://schemas.microsoft.com/office/drawing/2014/main" xmlns="" id="{9C0E98AF-C5CD-4FAB-A01E-D24E37D15F8E}"/>
               </a:ext>
             </a:extLst>
           </p:cNvPr>
@@ -13470,7 +13552,7 @@
           <p:cNvPr id="5" name="Text Placeholder 4">
             <a:extLst>
               <a:ext uri="{FF2B5EF4-FFF2-40B4-BE49-F238E27FC236}">
-                <a16:creationId xmlns="" xmlns:a16="http://schemas.microsoft.com/office/drawing/2014/main" id="{2D815465-9810-4297-B7C7-CB93EFFC3510}"/>
+                <a16:creationId xmlns:a16="http://schemas.microsoft.com/office/drawing/2014/main" xmlns="" id="{2D815465-9810-4297-B7C7-CB93EFFC3510}"/>
               </a:ext>
             </a:extLst>
           </p:cNvPr>
@@ -13597,7 +13679,7 @@
           <p:cNvPr id="5" name="Text Placeholder 4">
             <a:extLst>
               <a:ext uri="{FF2B5EF4-FFF2-40B4-BE49-F238E27FC236}">
-                <a16:creationId xmlns:a16="http://schemas.microsoft.com/office/drawing/2014/main" xmlns="" id="{2D815465-9810-4297-B7C7-CB93EFFC3510}"/>
+                <a16:creationId xmlns="" xmlns:a16="http://schemas.microsoft.com/office/drawing/2014/main" id="{2D815465-9810-4297-B7C7-CB93EFFC3510}"/>
               </a:ext>
             </a:extLst>
           </p:cNvPr>
@@ -13724,7 +13806,7 @@
           <p:cNvPr id="4" name="Title 3">
             <a:extLst>
               <a:ext uri="{FF2B5EF4-FFF2-40B4-BE49-F238E27FC236}">
-                <a16:creationId xmlns:a16="http://schemas.microsoft.com/office/drawing/2014/main" xmlns="" id="{9C0E98AF-C5CD-4FAB-A01E-D24E37D15F8E}"/>
+                <a16:creationId xmlns="" xmlns:a16="http://schemas.microsoft.com/office/drawing/2014/main" id="{9C0E98AF-C5CD-4FAB-A01E-D24E37D15F8E}"/>
               </a:ext>
             </a:extLst>
           </p:cNvPr>
@@ -13749,7 +13831,7 @@
           <p:cNvPr id="5" name="Text Placeholder 4">
             <a:extLst>
               <a:ext uri="{FF2B5EF4-FFF2-40B4-BE49-F238E27FC236}">
-                <a16:creationId xmlns:a16="http://schemas.microsoft.com/office/drawing/2014/main" xmlns="" id="{2D815465-9810-4297-B7C7-CB93EFFC3510}"/>
+                <a16:creationId xmlns="" xmlns:a16="http://schemas.microsoft.com/office/drawing/2014/main" id="{2D815465-9810-4297-B7C7-CB93EFFC3510}"/>
               </a:ext>
             </a:extLst>
           </p:cNvPr>
@@ -14006,7 +14088,7 @@
           <p:cNvPr id="4" name="Title 3">
             <a:extLst>
               <a:ext uri="{FF2B5EF4-FFF2-40B4-BE49-F238E27FC236}">
-                <a16:creationId xmlns:a16="http://schemas.microsoft.com/office/drawing/2014/main" xmlns="" id="{9C0E98AF-C5CD-4FAB-A01E-D24E37D15F8E}"/>
+                <a16:creationId xmlns="" xmlns:a16="http://schemas.microsoft.com/office/drawing/2014/main" id="{9C0E98AF-C5CD-4FAB-A01E-D24E37D15F8E}"/>
               </a:ext>
             </a:extLst>
           </p:cNvPr>
@@ -14055,7 +14137,7 @@
           <p:cNvPr id="5" name="Text Placeholder 4">
             <a:extLst>
               <a:ext uri="{FF2B5EF4-FFF2-40B4-BE49-F238E27FC236}">
-                <a16:creationId xmlns:a16="http://schemas.microsoft.com/office/drawing/2014/main" xmlns="" id="{2D815465-9810-4297-B7C7-CB93EFFC3510}"/>
+                <a16:creationId xmlns="" xmlns:a16="http://schemas.microsoft.com/office/drawing/2014/main" id="{2D815465-9810-4297-B7C7-CB93EFFC3510}"/>
               </a:ext>
             </a:extLst>
           </p:cNvPr>
@@ -14197,7 +14279,7 @@
           <p:cNvPr id="4" name="Title 3">
             <a:extLst>
               <a:ext uri="{FF2B5EF4-FFF2-40B4-BE49-F238E27FC236}">
-                <a16:creationId xmlns:a16="http://schemas.microsoft.com/office/drawing/2014/main" xmlns="" id="{9C0E98AF-C5CD-4FAB-A01E-D24E37D15F8E}"/>
+                <a16:creationId xmlns="" xmlns:a16="http://schemas.microsoft.com/office/drawing/2014/main" id="{9C0E98AF-C5CD-4FAB-A01E-D24E37D15F8E}"/>
               </a:ext>
             </a:extLst>
           </p:cNvPr>
@@ -14235,7 +14317,7 @@
           <p:cNvPr id="5" name="Text Placeholder 4">
             <a:extLst>
               <a:ext uri="{FF2B5EF4-FFF2-40B4-BE49-F238E27FC236}">
-                <a16:creationId xmlns:a16="http://schemas.microsoft.com/office/drawing/2014/main" xmlns="" id="{2D815465-9810-4297-B7C7-CB93EFFC3510}"/>
+                <a16:creationId xmlns="" xmlns:a16="http://schemas.microsoft.com/office/drawing/2014/main" id="{2D815465-9810-4297-B7C7-CB93EFFC3510}"/>
               </a:ext>
             </a:extLst>
           </p:cNvPr>
@@ -15696,14 +15778,6 @@
 </file>
 
 <file path=customXml/item2.xml><?xml version="1.0" encoding="utf-8"?>
-<p:properties xmlns:p="http://schemas.microsoft.com/office/2006/metadata/properties" xmlns:xsi="http://www.w3.org/2001/XMLSchema-instance" xmlns:pc="http://schemas.microsoft.com/office/infopath/2007/PartnerControls">
-  <documentManagement>
-    <_x041a__x043e__x043c__x0435__x0442__x0430__x0440_ xmlns="835f28f2-30f1-4728-84d2-86d96e143488" xsi:nil="true"/>
-  </documentManagement>
-</p:properties>
-</file>
-
-<file path=customXml/item3.xml><?xml version="1.0" encoding="utf-8"?>
 <ct:contentTypeSchema xmlns:ct="http://schemas.microsoft.com/office/2006/metadata/contentType" xmlns:ma="http://schemas.microsoft.com/office/2006/metadata/properties/metaAttributes" ct:_="" ma:_="" ma:contentTypeName="Document" ma:contentTypeID="0x0101004195FC54A15F344D83577B1CDDD67A5D" ma:contentTypeVersion="13" ma:contentTypeDescription="Create a new document." ma:contentTypeScope="" ma:versionID="30ded57c9b2156718eb8cc7b0e4246dc">
   <xsd:schema xmlns:xsd="http://www.w3.org/2001/XMLSchema" xmlns:xs="http://www.w3.org/2001/XMLSchema" xmlns:p="http://schemas.microsoft.com/office/2006/metadata/properties" xmlns:ns2="341e6018-ac0a-4dfb-8409-db9e0d25502e" xmlns:ns3="835f28f2-30f1-4728-84d2-86d96e143488" targetNamespace="http://schemas.microsoft.com/office/2006/metadata/properties" ma:root="true" ma:fieldsID="a0d1831635397921c92a19e568dfc949" ns2:_="" ns3:_="">
     <xsd:import namespace="341e6018-ac0a-4dfb-8409-db9e0d25502e"/>
@@ -15928,6 +16002,14 @@
 </ct:contentTypeSchema>
 </file>
 
+<file path=customXml/item3.xml><?xml version="1.0" encoding="utf-8"?>
+<p:properties xmlns:p="http://schemas.microsoft.com/office/2006/metadata/properties" xmlns:xsi="http://www.w3.org/2001/XMLSchema-instance" xmlns:pc="http://schemas.microsoft.com/office/infopath/2007/PartnerControls">
+  <documentManagement>
+    <_x041a__x043e__x043c__x0435__x0442__x0430__x0440_ xmlns="835f28f2-30f1-4728-84d2-86d96e143488" xsi:nil="true"/>
+  </documentManagement>
+</p:properties>
+</file>
+
 <file path=customXml/itemProps1.xml><?xml version="1.0" encoding="utf-8"?>
 <ds:datastoreItem xmlns:ds="http://schemas.openxmlformats.org/officeDocument/2006/customXml" ds:itemID="{296B3B9E-03D8-4766-BF45-6129617CF026}">
   <ds:schemaRefs>
@@ -15937,23 +16019,6 @@
 </file>
 
 <file path=customXml/itemProps2.xml><?xml version="1.0" encoding="utf-8"?>
-<ds:datastoreItem xmlns:ds="http://schemas.openxmlformats.org/officeDocument/2006/customXml" ds:itemID="{E9033E08-7FE9-4F6D-B155-A8777B4A5A57}">
-  <ds:schemaRefs>
-    <ds:schemaRef ds:uri="http://schemas.microsoft.com/office/infopath/2007/PartnerControls"/>
-    <ds:schemaRef ds:uri="http://purl.org/dc/elements/1.1/"/>
-    <ds:schemaRef ds:uri="http://schemas.microsoft.com/office/2006/metadata/properties"/>
-    <ds:schemaRef ds:uri="835f28f2-30f1-4728-84d2-86d96e143488"/>
-    <ds:schemaRef ds:uri="http://schemas.microsoft.com/office/2006/documentManagement/types"/>
-    <ds:schemaRef ds:uri="http://purl.org/dc/terms/"/>
-    <ds:schemaRef ds:uri="http://schemas.openxmlformats.org/package/2006/metadata/core-properties"/>
-    <ds:schemaRef ds:uri="http://purl.org/dc/dcmitype/"/>
-    <ds:schemaRef ds:uri="341e6018-ac0a-4dfb-8409-db9e0d25502e"/>
-    <ds:schemaRef ds:uri="http://www.w3.org/XML/1998/namespace"/>
-  </ds:schemaRefs>
-</ds:datastoreItem>
-</file>
-
-<file path=customXml/itemProps3.xml><?xml version="1.0" encoding="utf-8"?>
 <ds:datastoreItem xmlns:ds="http://schemas.openxmlformats.org/officeDocument/2006/customXml" ds:itemID="{5BCFD5A9-9FF3-42E0-89D7-BF5BFC61DD60}">
   <ds:schemaRefs>
     <ds:schemaRef ds:uri="341e6018-ac0a-4dfb-8409-db9e0d25502e"/>
@@ -15970,4 +16035,21 @@
     <ds:schemaRef ds:uri="http://www.w3.org/2001/XMLSchema"/>
   </ds:schemaRefs>
 </ds:datastoreItem>
+</file>
+
+<file path=customXml/itemProps3.xml><?xml version="1.0" encoding="utf-8"?>
+<ds:datastoreItem xmlns:ds="http://schemas.openxmlformats.org/officeDocument/2006/customXml" ds:itemID="{E9033E08-7FE9-4F6D-B155-A8777B4A5A57}">
+  <ds:schemaRefs>
+    <ds:schemaRef ds:uri="http://schemas.microsoft.com/office/infopath/2007/PartnerControls"/>
+    <ds:schemaRef ds:uri="http://purl.org/dc/elements/1.1/"/>
+    <ds:schemaRef ds:uri="http://schemas.microsoft.com/office/2006/metadata/properties"/>
+    <ds:schemaRef ds:uri="835f28f2-30f1-4728-84d2-86d96e143488"/>
+    <ds:schemaRef ds:uri="http://schemas.microsoft.com/office/2006/documentManagement/types"/>
+    <ds:schemaRef ds:uri="http://purl.org/dc/terms/"/>
+    <ds:schemaRef ds:uri="http://schemas.openxmlformats.org/package/2006/metadata/core-properties"/>
+    <ds:schemaRef ds:uri="http://purl.org/dc/dcmitype/"/>
+    <ds:schemaRef ds:uri="341e6018-ac0a-4dfb-8409-db9e0d25502e"/>
+    <ds:schemaRef ds:uri="http://www.w3.org/XML/1998/namespace"/>
+  </ds:schemaRefs>
+</ds:datastoreItem>
 </file>
--- a/linters/Linters.pptx
+++ b/linters/Linters.pptx
@@ -1479,7 +1479,7 @@
               <a:pPr>
                 <a:defRPr/>
               </a:pPr>
-              <a:t>20/10/2020</a:t>
+              <a:t>21/10/2020</a:t>
             </a:fld>
             <a:endParaRPr lang="en-GB"/>
           </a:p>
@@ -1884,7 +1884,7 @@
           <p:cNvPr id="8" name="Picture 7">
             <a:extLst>
               <a:ext uri="{FF2B5EF4-FFF2-40B4-BE49-F238E27FC236}">
-                <a16:creationId xmlns:a16="http://schemas.microsoft.com/office/drawing/2014/main" xmlns="" id="{1CF45043-0DF6-7844-A454-194D648F98F1}"/>
+                <a16:creationId xmlns="" xmlns:a16="http://schemas.microsoft.com/office/drawing/2014/main" id="{1CF45043-0DF6-7844-A454-194D648F98F1}"/>
               </a:ext>
             </a:extLst>
           </p:cNvPr>
@@ -1914,7 +1914,7 @@
           <p:cNvPr id="10" name="Title 8">
             <a:extLst>
               <a:ext uri="{FF2B5EF4-FFF2-40B4-BE49-F238E27FC236}">
-                <a16:creationId xmlns:a16="http://schemas.microsoft.com/office/drawing/2014/main" xmlns="" id="{353C5CCE-34CF-4745-B8D7-AF744DB56245}"/>
+                <a16:creationId xmlns="" xmlns:a16="http://schemas.microsoft.com/office/drawing/2014/main" id="{353C5CCE-34CF-4745-B8D7-AF744DB56245}"/>
               </a:ext>
             </a:extLst>
           </p:cNvPr>
@@ -2625,7 +2625,7 @@
           <p:cNvPr id="10" name="Title 1">
             <a:extLst>
               <a:ext uri="{FF2B5EF4-FFF2-40B4-BE49-F238E27FC236}">
-                <a16:creationId xmlns:a16="http://schemas.microsoft.com/office/drawing/2014/main" xmlns="" id="{B4B68A2E-49F8-4BDA-BD1A-488169336555}"/>
+                <a16:creationId xmlns="" xmlns:a16="http://schemas.microsoft.com/office/drawing/2014/main" id="{B4B68A2E-49F8-4BDA-BD1A-488169336555}"/>
               </a:ext>
             </a:extLst>
           </p:cNvPr>
@@ -3004,7 +3004,7 @@
           <p:cNvPr id="7" name="Picture 6">
             <a:extLst>
               <a:ext uri="{FF2B5EF4-FFF2-40B4-BE49-F238E27FC236}">
-                <a16:creationId xmlns:a16="http://schemas.microsoft.com/office/drawing/2014/main" xmlns="" id="{19906801-963A-2748-A48D-2607EEFEA3B7}"/>
+                <a16:creationId xmlns="" xmlns:a16="http://schemas.microsoft.com/office/drawing/2014/main" id="{19906801-963A-2748-A48D-2607EEFEA3B7}"/>
               </a:ext>
             </a:extLst>
           </p:cNvPr>
@@ -3121,7 +3121,7 @@
           <p:cNvPr id="8" name="Picture 7">
             <a:extLst>
               <a:ext uri="{FF2B5EF4-FFF2-40B4-BE49-F238E27FC236}">
-                <a16:creationId xmlns:a16="http://schemas.microsoft.com/office/drawing/2014/main" xmlns="" id="{1CF45043-0DF6-7844-A454-194D648F98F1}"/>
+                <a16:creationId xmlns="" xmlns:a16="http://schemas.microsoft.com/office/drawing/2014/main" id="{1CF45043-0DF6-7844-A454-194D648F98F1}"/>
               </a:ext>
             </a:extLst>
           </p:cNvPr>
@@ -3151,7 +3151,7 @@
           <p:cNvPr id="10" name="Title 8">
             <a:extLst>
               <a:ext uri="{FF2B5EF4-FFF2-40B4-BE49-F238E27FC236}">
-                <a16:creationId xmlns:a16="http://schemas.microsoft.com/office/drawing/2014/main" xmlns="" id="{353C5CCE-34CF-4745-B8D7-AF744DB56245}"/>
+                <a16:creationId xmlns="" xmlns:a16="http://schemas.microsoft.com/office/drawing/2014/main" id="{353C5CCE-34CF-4745-B8D7-AF744DB56245}"/>
               </a:ext>
             </a:extLst>
           </p:cNvPr>
@@ -3366,7 +3366,7 @@
           <p:cNvPr id="7" name="Picture 6">
             <a:extLst>
               <a:ext uri="{FF2B5EF4-FFF2-40B4-BE49-F238E27FC236}">
-                <a16:creationId xmlns:a16="http://schemas.microsoft.com/office/drawing/2014/main" xmlns="" id="{19906801-963A-2748-A48D-2607EEFEA3B7}"/>
+                <a16:creationId xmlns="" xmlns:a16="http://schemas.microsoft.com/office/drawing/2014/main" id="{19906801-963A-2748-A48D-2607EEFEA3B7}"/>
               </a:ext>
             </a:extLst>
           </p:cNvPr>
@@ -4068,7 +4068,7 @@
           <p:cNvPr id="9" name="Picture 8">
             <a:extLst>
               <a:ext uri="{FF2B5EF4-FFF2-40B4-BE49-F238E27FC236}">
-                <a16:creationId xmlns:a16="http://schemas.microsoft.com/office/drawing/2014/main" xmlns="" id="{21C47469-3B03-E44C-89B5-F697BC2200BB}"/>
+                <a16:creationId xmlns="" xmlns:a16="http://schemas.microsoft.com/office/drawing/2014/main" id="{21C47469-3B03-E44C-89B5-F697BC2200BB}"/>
               </a:ext>
             </a:extLst>
           </p:cNvPr>
@@ -4231,7 +4231,7 @@
           <p:cNvPr id="7" name="Picture 6">
             <a:extLst>
               <a:ext uri="{FF2B5EF4-FFF2-40B4-BE49-F238E27FC236}">
-                <a16:creationId xmlns:a16="http://schemas.microsoft.com/office/drawing/2014/main" xmlns="" id="{19906801-963A-2748-A48D-2607EEFEA3B7}"/>
+                <a16:creationId xmlns="" xmlns:a16="http://schemas.microsoft.com/office/drawing/2014/main" id="{19906801-963A-2748-A48D-2607EEFEA3B7}"/>
               </a:ext>
             </a:extLst>
           </p:cNvPr>
@@ -5848,7 +5848,7 @@
           <p:cNvPr id="10" name="Title 1">
             <a:extLst>
               <a:ext uri="{FF2B5EF4-FFF2-40B4-BE49-F238E27FC236}">
-                <a16:creationId xmlns:a16="http://schemas.microsoft.com/office/drawing/2014/main" xmlns="" id="{B4B68A2E-49F8-4BDA-BD1A-488169336555}"/>
+                <a16:creationId xmlns="" xmlns:a16="http://schemas.microsoft.com/office/drawing/2014/main" id="{B4B68A2E-49F8-4BDA-BD1A-488169336555}"/>
               </a:ext>
             </a:extLst>
           </p:cNvPr>
@@ -6021,7 +6021,7 @@
           <p:cNvPr id="7" name="Picture 6">
             <a:extLst>
               <a:ext uri="{FF2B5EF4-FFF2-40B4-BE49-F238E27FC236}">
-                <a16:creationId xmlns:a16="http://schemas.microsoft.com/office/drawing/2014/main" xmlns="" id="{19906801-963A-2748-A48D-2607EEFEA3B7}"/>
+                <a16:creationId xmlns="" xmlns:a16="http://schemas.microsoft.com/office/drawing/2014/main" id="{19906801-963A-2748-A48D-2607EEFEA3B7}"/>
               </a:ext>
             </a:extLst>
           </p:cNvPr>
@@ -6426,7 +6426,7 @@
           <p:cNvPr id="8" name="Picture 7">
             <a:extLst>
               <a:ext uri="{FF2B5EF4-FFF2-40B4-BE49-F238E27FC236}">
-                <a16:creationId xmlns:a16="http://schemas.microsoft.com/office/drawing/2014/main" xmlns="" id="{1CF45043-0DF6-7844-A454-194D648F98F1}"/>
+                <a16:creationId xmlns="" xmlns:a16="http://schemas.microsoft.com/office/drawing/2014/main" id="{1CF45043-0DF6-7844-A454-194D648F98F1}"/>
               </a:ext>
             </a:extLst>
           </p:cNvPr>
@@ -6587,7 +6587,7 @@
           <p:cNvPr id="7" name="Picture 6">
             <a:extLst>
               <a:ext uri="{FF2B5EF4-FFF2-40B4-BE49-F238E27FC236}">
-                <a16:creationId xmlns:a16="http://schemas.microsoft.com/office/drawing/2014/main" xmlns="" id="{19906801-963A-2748-A48D-2607EEFEA3B7}"/>
+                <a16:creationId xmlns="" xmlns:a16="http://schemas.microsoft.com/office/drawing/2014/main" id="{19906801-963A-2748-A48D-2607EEFEA3B7}"/>
               </a:ext>
             </a:extLst>
           </p:cNvPr>
@@ -6779,7 +6779,7 @@
           <p:cNvPr id="6" name="Text Placeholder 6">
             <a:extLst>
               <a:ext uri="{FF2B5EF4-FFF2-40B4-BE49-F238E27FC236}">
-                <a16:creationId xmlns:a16="http://schemas.microsoft.com/office/drawing/2014/main" xmlns="" id="{6DDF5AB6-195E-47F9-91E3-98E599C01EFB}"/>
+                <a16:creationId xmlns="" xmlns:a16="http://schemas.microsoft.com/office/drawing/2014/main" id="{6DDF5AB6-195E-47F9-91E3-98E599C01EFB}"/>
               </a:ext>
             </a:extLst>
           </p:cNvPr>
@@ -6921,7 +6921,7 @@
           <p:cNvPr id="9" name="Rectangle 8">
             <a:extLst>
               <a:ext uri="{FF2B5EF4-FFF2-40B4-BE49-F238E27FC236}">
-                <a16:creationId xmlns:a16="http://schemas.microsoft.com/office/drawing/2014/main" xmlns="" id="{9CC0A6A9-FB31-4A19-A170-D23A18C938E0}"/>
+                <a16:creationId xmlns="" xmlns:a16="http://schemas.microsoft.com/office/drawing/2014/main" id="{9CC0A6A9-FB31-4A19-A170-D23A18C938E0}"/>
               </a:ext>
             </a:extLst>
           </p:cNvPr>
@@ -7401,7 +7401,7 @@
           <p:cNvPr id="9" name="Picture 8">
             <a:extLst>
               <a:ext uri="{FF2B5EF4-FFF2-40B4-BE49-F238E27FC236}">
-                <a16:creationId xmlns:a16="http://schemas.microsoft.com/office/drawing/2014/main" xmlns="" id="{320D1B1E-8401-8049-8729-0C74A6C1928C}"/>
+                <a16:creationId xmlns="" xmlns:a16="http://schemas.microsoft.com/office/drawing/2014/main" id="{320D1B1E-8401-8049-8729-0C74A6C1928C}"/>
               </a:ext>
             </a:extLst>
           </p:cNvPr>
@@ -9946,7 +9946,7 @@
           <p:cNvPr id="22" name="Picture 21">
             <a:extLst>
               <a:ext uri="{FF2B5EF4-FFF2-40B4-BE49-F238E27FC236}">
-                <a16:creationId xmlns:a16="http://schemas.microsoft.com/office/drawing/2014/main" xmlns="" id="{D2C70A87-6824-3248-B448-307E7C5BC0C9}"/>
+                <a16:creationId xmlns="" xmlns:a16="http://schemas.microsoft.com/office/drawing/2014/main" id="{D2C70A87-6824-3248-B448-307E7C5BC0C9}"/>
               </a:ext>
             </a:extLst>
           </p:cNvPr>
@@ -10588,7 +10588,7 @@
           <p:cNvPr id="9" name="Picture 8">
             <a:extLst>
               <a:ext uri="{FF2B5EF4-FFF2-40B4-BE49-F238E27FC236}">
-                <a16:creationId xmlns:a16="http://schemas.microsoft.com/office/drawing/2014/main" xmlns="" id="{21C47469-3B03-E44C-89B5-F697BC2200BB}"/>
+                <a16:creationId xmlns="" xmlns:a16="http://schemas.microsoft.com/office/drawing/2014/main" id="{21C47469-3B03-E44C-89B5-F697BC2200BB}"/>
               </a:ext>
             </a:extLst>
           </p:cNvPr>
@@ -13054,7 +13054,7 @@
           <p:cNvPr id="10" name="Title 9">
             <a:extLst>
               <a:ext uri="{FF2B5EF4-FFF2-40B4-BE49-F238E27FC236}">
-                <a16:creationId xmlns:a16="http://schemas.microsoft.com/office/drawing/2014/main" xmlns="" id="{C2C01860-88AA-4983-9D84-DB6CD67B99FA}"/>
+                <a16:creationId xmlns="" xmlns:a16="http://schemas.microsoft.com/office/drawing/2014/main" id="{C2C01860-88AA-4983-9D84-DB6CD67B99FA}"/>
               </a:ext>
             </a:extLst>
           </p:cNvPr>
@@ -13108,7 +13108,7 @@
           <p:cNvPr id="11" name="Text Placeholder 10">
             <a:extLst>
               <a:ext uri="{FF2B5EF4-FFF2-40B4-BE49-F238E27FC236}">
-                <a16:creationId xmlns:a16="http://schemas.microsoft.com/office/drawing/2014/main" xmlns="" id="{CF3D1018-5EBF-47E8-BCA9-73CE5FFDDFC4}"/>
+                <a16:creationId xmlns="" xmlns:a16="http://schemas.microsoft.com/office/drawing/2014/main" id="{CF3D1018-5EBF-47E8-BCA9-73CE5FFDDFC4}"/>
               </a:ext>
             </a:extLst>
           </p:cNvPr>
@@ -13519,7 +13519,7 @@
           <p:cNvPr id="4" name="Title 3">
             <a:extLst>
               <a:ext uri="{FF2B5EF4-FFF2-40B4-BE49-F238E27FC236}">
-                <a16:creationId xmlns:a16="http://schemas.microsoft.com/office/drawing/2014/main" xmlns="" id="{9C0E98AF-C5CD-4FAB-A01E-D24E37D15F8E}"/>
+                <a16:creationId xmlns="" xmlns:a16="http://schemas.microsoft.com/office/drawing/2014/main" id="{9C0E98AF-C5CD-4FAB-A01E-D24E37D15F8E}"/>
               </a:ext>
             </a:extLst>
           </p:cNvPr>
@@ -13536,12 +13536,8 @@
           <a:lstStyle/>
           <a:p>
             <a:r>
-              <a:rPr lang="uk-UA" dirty="0" smtClean="0"/>
-              <a:t>Для чого</a:t>
-            </a:r>
-            <a:r>
               <a:rPr lang="en-US" dirty="0" smtClean="0"/>
-              <a:t>?</a:t>
+              <a:t>For what?</a:t>
             </a:r>
             <a:endParaRPr lang="uk-UA" dirty="0"/>
           </a:p>
@@ -13552,7 +13548,7 @@
           <p:cNvPr id="5" name="Text Placeholder 4">
             <a:extLst>
               <a:ext uri="{FF2B5EF4-FFF2-40B4-BE49-F238E27FC236}">
-                <a16:creationId xmlns:a16="http://schemas.microsoft.com/office/drawing/2014/main" xmlns="" id="{2D815465-9810-4297-B7C7-CB93EFFC3510}"/>
+                <a16:creationId xmlns="" xmlns:a16="http://schemas.microsoft.com/office/drawing/2014/main" id="{2D815465-9810-4297-B7C7-CB93EFFC3510}"/>
               </a:ext>
             </a:extLst>
           </p:cNvPr>
@@ -13563,36 +13559,32 @@
             <p:ph type="body" sz="quarter" idx="10"/>
           </p:nvPr>
         </p:nvSpPr>
-        <p:spPr/>
+        <p:spPr>
+          <a:xfrm>
+            <a:off x="616789" y="1867619"/>
+            <a:ext cx="4214003" cy="4464170"/>
+          </a:xfrm>
+        </p:spPr>
         <p:txBody>
           <a:bodyPr/>
           <a:lstStyle/>
           <a:p>
             <a:r>
-              <a:rPr lang="uk-UA" dirty="0" err="1" smtClean="0"/>
-              <a:t>Лінтери</a:t>
-            </a:r>
-            <a:r>
-              <a:rPr lang="uk-UA" dirty="0" smtClean="0"/>
-              <a:t> в </a:t>
-            </a:r>
-            <a:r>
-              <a:rPr lang="en-US" dirty="0" smtClean="0"/>
-              <a:t>JavaScript </a:t>
-            </a:r>
-            <a:r>
-              <a:rPr lang="uk-UA" dirty="0" smtClean="0"/>
-              <a:t>слугують для того, щоб </a:t>
-            </a:r>
-            <a:r>
-              <a:rPr lang="uk-UA" dirty="0" err="1" smtClean="0"/>
-              <a:t>дебажити</a:t>
-            </a:r>
-            <a:r>
-              <a:rPr lang="uk-UA" dirty="0" smtClean="0"/>
-              <a:t> код та вказувати на певні помилки при його написанні.</a:t>
-            </a:r>
-            <a:endParaRPr lang="uk-UA" dirty="0"/>
+              <a:rPr lang="en-US" dirty="0"/>
+              <a:t>JavaScript linters are tools that you can use to help you debug your code.</a:t>
+            </a:r>
+          </a:p>
+          <a:p>
+            <a:r>
+              <a:rPr lang="en-US" dirty="0"/>
+              <a:t>They scan your scripts for common issues and errors, and give you back a report with line numbers that you can use to fix things.</a:t>
+            </a:r>
+          </a:p>
+          <a:p>
+            <a:r>
+              <a:rPr lang="en-US" dirty="0"/>
+              <a:t>In addition to actual bugs and errors, they also check for subjective, stylistic preferences as well. Did you include a space between the function name and parentheses? Did you use single or double quotes around strings? Things like that.</a:t>
+            </a:r>
           </a:p>
         </p:txBody>
       </p:sp>
@@ -13619,7 +13611,7 @@
         </p:blipFill>
         <p:spPr bwMode="auto">
           <a:xfrm>
-            <a:off x="2207348" y="2507325"/>
+            <a:off x="4631371" y="1809538"/>
             <a:ext cx="7777303" cy="3545162"/>
           </a:xfrm>
           <a:prstGeom prst="rect">
@@ -13679,7 +13671,7 @@
           <p:cNvPr id="5" name="Text Placeholder 4">
             <a:extLst>
               <a:ext uri="{FF2B5EF4-FFF2-40B4-BE49-F238E27FC236}">
-                <a16:creationId xmlns="" xmlns:a16="http://schemas.microsoft.com/office/drawing/2014/main" id="{2D815465-9810-4297-B7C7-CB93EFFC3510}"/>
+                <a16:creationId xmlns:a16="http://schemas.microsoft.com/office/drawing/2014/main" xmlns="" id="{2D815465-9810-4297-B7C7-CB93EFFC3510}"/>
               </a:ext>
             </a:extLst>
           </p:cNvPr>
@@ -13806,7 +13798,7 @@
           <p:cNvPr id="4" name="Title 3">
             <a:extLst>
               <a:ext uri="{FF2B5EF4-FFF2-40B4-BE49-F238E27FC236}">
-                <a16:creationId xmlns="" xmlns:a16="http://schemas.microsoft.com/office/drawing/2014/main" id="{9C0E98AF-C5CD-4FAB-A01E-D24E37D15F8E}"/>
+                <a16:creationId xmlns:a16="http://schemas.microsoft.com/office/drawing/2014/main" xmlns="" id="{9C0E98AF-C5CD-4FAB-A01E-D24E37D15F8E}"/>
               </a:ext>
             </a:extLst>
           </p:cNvPr>
@@ -13831,7 +13823,7 @@
           <p:cNvPr id="5" name="Text Placeholder 4">
             <a:extLst>
               <a:ext uri="{FF2B5EF4-FFF2-40B4-BE49-F238E27FC236}">
-                <a16:creationId xmlns="" xmlns:a16="http://schemas.microsoft.com/office/drawing/2014/main" id="{2D815465-9810-4297-B7C7-CB93EFFC3510}"/>
+                <a16:creationId xmlns:a16="http://schemas.microsoft.com/office/drawing/2014/main" xmlns="" id="{2D815465-9810-4297-B7C7-CB93EFFC3510}"/>
               </a:ext>
             </a:extLst>
           </p:cNvPr>
@@ -14088,7 +14080,7 @@
           <p:cNvPr id="4" name="Title 3">
             <a:extLst>
               <a:ext uri="{FF2B5EF4-FFF2-40B4-BE49-F238E27FC236}">
-                <a16:creationId xmlns="" xmlns:a16="http://schemas.microsoft.com/office/drawing/2014/main" id="{9C0E98AF-C5CD-4FAB-A01E-D24E37D15F8E}"/>
+                <a16:creationId xmlns:a16="http://schemas.microsoft.com/office/drawing/2014/main" xmlns="" id="{9C0E98AF-C5CD-4FAB-A01E-D24E37D15F8E}"/>
               </a:ext>
             </a:extLst>
           </p:cNvPr>
@@ -14137,7 +14129,7 @@
           <p:cNvPr id="5" name="Text Placeholder 4">
             <a:extLst>
               <a:ext uri="{FF2B5EF4-FFF2-40B4-BE49-F238E27FC236}">
-                <a16:creationId xmlns="" xmlns:a16="http://schemas.microsoft.com/office/drawing/2014/main" id="{2D815465-9810-4297-B7C7-CB93EFFC3510}"/>
+                <a16:creationId xmlns:a16="http://schemas.microsoft.com/office/drawing/2014/main" xmlns="" id="{2D815465-9810-4297-B7C7-CB93EFFC3510}"/>
               </a:ext>
             </a:extLst>
           </p:cNvPr>
@@ -14279,7 +14271,7 @@
           <p:cNvPr id="4" name="Title 3">
             <a:extLst>
               <a:ext uri="{FF2B5EF4-FFF2-40B4-BE49-F238E27FC236}">
-                <a16:creationId xmlns="" xmlns:a16="http://schemas.microsoft.com/office/drawing/2014/main" id="{9C0E98AF-C5CD-4FAB-A01E-D24E37D15F8E}"/>
+                <a16:creationId xmlns:a16="http://schemas.microsoft.com/office/drawing/2014/main" xmlns="" id="{9C0E98AF-C5CD-4FAB-A01E-D24E37D15F8E}"/>
               </a:ext>
             </a:extLst>
           </p:cNvPr>
@@ -14317,7 +14309,7 @@
           <p:cNvPr id="5" name="Text Placeholder 4">
             <a:extLst>
               <a:ext uri="{FF2B5EF4-FFF2-40B4-BE49-F238E27FC236}">
-                <a16:creationId xmlns="" xmlns:a16="http://schemas.microsoft.com/office/drawing/2014/main" id="{2D815465-9810-4297-B7C7-CB93EFFC3510}"/>
+                <a16:creationId xmlns:a16="http://schemas.microsoft.com/office/drawing/2014/main" xmlns="" id="{2D815465-9810-4297-B7C7-CB93EFFC3510}"/>
               </a:ext>
             </a:extLst>
           </p:cNvPr>
@@ -15769,12 +15761,11 @@
 </file>
 
 <file path=customXml/item1.xml><?xml version="1.0" encoding="utf-8"?>
-<?mso-contentType ?>
-<FormTemplates xmlns="http://schemas.microsoft.com/sharepoint/v3/contenttype/forms">
-  <Display>DocumentLibraryForm</Display>
-  <Edit>DocumentLibraryForm</Edit>
-  <New>DocumentLibraryForm</New>
-</FormTemplates>
+<p:properties xmlns:p="http://schemas.microsoft.com/office/2006/metadata/properties" xmlns:xsi="http://www.w3.org/2001/XMLSchema-instance" xmlns:pc="http://schemas.microsoft.com/office/infopath/2007/PartnerControls">
+  <documentManagement>
+    <_x041a__x043e__x043c__x0435__x0442__x0430__x0440_ xmlns="835f28f2-30f1-4728-84d2-86d96e143488" xsi:nil="true"/>
+  </documentManagement>
+</p:properties>
 </file>
 
 <file path=customXml/item2.xml><?xml version="1.0" encoding="utf-8"?>
@@ -16003,17 +15994,27 @@
 </file>
 
 <file path=customXml/item3.xml><?xml version="1.0" encoding="utf-8"?>
-<p:properties xmlns:p="http://schemas.microsoft.com/office/2006/metadata/properties" xmlns:xsi="http://www.w3.org/2001/XMLSchema-instance" xmlns:pc="http://schemas.microsoft.com/office/infopath/2007/PartnerControls">
-  <documentManagement>
-    <_x041a__x043e__x043c__x0435__x0442__x0430__x0440_ xmlns="835f28f2-30f1-4728-84d2-86d96e143488" xsi:nil="true"/>
-  </documentManagement>
-</p:properties>
+<?mso-contentType ?>
+<FormTemplates xmlns="http://schemas.microsoft.com/sharepoint/v3/contenttype/forms">
+  <Display>DocumentLibraryForm</Display>
+  <Edit>DocumentLibraryForm</Edit>
+  <New>DocumentLibraryForm</New>
+</FormTemplates>
 </file>
 
 <file path=customXml/itemProps1.xml><?xml version="1.0" encoding="utf-8"?>
-<ds:datastoreItem xmlns:ds="http://schemas.openxmlformats.org/officeDocument/2006/customXml" ds:itemID="{296B3B9E-03D8-4766-BF45-6129617CF026}">
+<ds:datastoreItem xmlns:ds="http://schemas.openxmlformats.org/officeDocument/2006/customXml" ds:itemID="{E9033E08-7FE9-4F6D-B155-A8777B4A5A57}">
   <ds:schemaRefs>
-    <ds:schemaRef ds:uri="http://schemas.microsoft.com/sharepoint/v3/contenttype/forms"/>
+    <ds:schemaRef ds:uri="http://schemas.microsoft.com/office/infopath/2007/PartnerControls"/>
+    <ds:schemaRef ds:uri="http://purl.org/dc/elements/1.1/"/>
+    <ds:schemaRef ds:uri="http://schemas.microsoft.com/office/2006/metadata/properties"/>
+    <ds:schemaRef ds:uri="835f28f2-30f1-4728-84d2-86d96e143488"/>
+    <ds:schemaRef ds:uri="http://schemas.microsoft.com/office/2006/documentManagement/types"/>
+    <ds:schemaRef ds:uri="http://purl.org/dc/terms/"/>
+    <ds:schemaRef ds:uri="http://schemas.openxmlformats.org/package/2006/metadata/core-properties"/>
+    <ds:schemaRef ds:uri="http://purl.org/dc/dcmitype/"/>
+    <ds:schemaRef ds:uri="341e6018-ac0a-4dfb-8409-db9e0d25502e"/>
+    <ds:schemaRef ds:uri="http://www.w3.org/XML/1998/namespace"/>
   </ds:schemaRefs>
 </ds:datastoreItem>
 </file>
@@ -16038,18 +16039,9 @@
 </file>
 
 <file path=customXml/itemProps3.xml><?xml version="1.0" encoding="utf-8"?>
-<ds:datastoreItem xmlns:ds="http://schemas.openxmlformats.org/officeDocument/2006/customXml" ds:itemID="{E9033E08-7FE9-4F6D-B155-A8777B4A5A57}">
+<ds:datastoreItem xmlns:ds="http://schemas.openxmlformats.org/officeDocument/2006/customXml" ds:itemID="{296B3B9E-03D8-4766-BF45-6129617CF026}">
   <ds:schemaRefs>
-    <ds:schemaRef ds:uri="http://schemas.microsoft.com/office/infopath/2007/PartnerControls"/>
-    <ds:schemaRef ds:uri="http://purl.org/dc/elements/1.1/"/>
-    <ds:schemaRef ds:uri="http://schemas.microsoft.com/office/2006/metadata/properties"/>
-    <ds:schemaRef ds:uri="835f28f2-30f1-4728-84d2-86d96e143488"/>
-    <ds:schemaRef ds:uri="http://schemas.microsoft.com/office/2006/documentManagement/types"/>
-    <ds:schemaRef ds:uri="http://purl.org/dc/terms/"/>
-    <ds:schemaRef ds:uri="http://schemas.openxmlformats.org/package/2006/metadata/core-properties"/>
-    <ds:schemaRef ds:uri="http://purl.org/dc/dcmitype/"/>
-    <ds:schemaRef ds:uri="341e6018-ac0a-4dfb-8409-db9e0d25502e"/>
-    <ds:schemaRef ds:uri="http://www.w3.org/XML/1998/namespace"/>
+    <ds:schemaRef ds:uri="http://schemas.microsoft.com/sharepoint/v3/contenttype/forms"/>
   </ds:schemaRefs>
 </ds:datastoreItem>
 </file>
--- a/linters/Linters.pptx
+++ b/linters/Linters.pptx
@@ -7,7 +7,7 @@
     <p:sldMasterId id="2147484842" r:id="rId6"/>
   </p:sldMasterIdLst>
   <p:notesMasterIdLst>
-    <p:notesMasterId r:id="rId19"/>
+    <p:notesMasterId r:id="rId20"/>
   </p:notesMasterIdLst>
   <p:sldIdLst>
     <p:sldId id="1234" r:id="rId7"/>
@@ -20,8 +20,9 @@
     <p:sldId id="1242" r:id="rId14"/>
     <p:sldId id="1243" r:id="rId15"/>
     <p:sldId id="1244" r:id="rId16"/>
-    <p:sldId id="1245" r:id="rId17"/>
-    <p:sldId id="1206" r:id="rId18"/>
+    <p:sldId id="1246" r:id="rId17"/>
+    <p:sldId id="1245" r:id="rId18"/>
+    <p:sldId id="1206" r:id="rId19"/>
   </p:sldIdLst>
   <p:sldSz cx="12192000" cy="6858000"/>
   <p:notesSz cx="6858000" cy="9144000"/>
@@ -165,6 +166,7 @@
             <p14:sldId id="1242"/>
             <p14:sldId id="1243"/>
             <p14:sldId id="1244"/>
+            <p14:sldId id="1246"/>
             <p14:sldId id="1245"/>
             <p14:sldId id="1206"/>
           </p14:sldIdLst>
@@ -1884,7 +1886,7 @@
           <p:cNvPr id="8" name="Picture 7">
             <a:extLst>
               <a:ext uri="{FF2B5EF4-FFF2-40B4-BE49-F238E27FC236}">
-                <a16:creationId xmlns="" xmlns:a16="http://schemas.microsoft.com/office/drawing/2014/main" id="{1CF45043-0DF6-7844-A454-194D648F98F1}"/>
+                <a16:creationId xmlns:a16="http://schemas.microsoft.com/office/drawing/2014/main" xmlns="" id="{1CF45043-0DF6-7844-A454-194D648F98F1}"/>
               </a:ext>
             </a:extLst>
           </p:cNvPr>
@@ -1914,7 +1916,7 @@
           <p:cNvPr id="10" name="Title 8">
             <a:extLst>
               <a:ext uri="{FF2B5EF4-FFF2-40B4-BE49-F238E27FC236}">
-                <a16:creationId xmlns="" xmlns:a16="http://schemas.microsoft.com/office/drawing/2014/main" id="{353C5CCE-34CF-4745-B8D7-AF744DB56245}"/>
+                <a16:creationId xmlns:a16="http://schemas.microsoft.com/office/drawing/2014/main" xmlns="" id="{353C5CCE-34CF-4745-B8D7-AF744DB56245}"/>
               </a:ext>
             </a:extLst>
           </p:cNvPr>
@@ -2625,7 +2627,7 @@
           <p:cNvPr id="10" name="Title 1">
             <a:extLst>
               <a:ext uri="{FF2B5EF4-FFF2-40B4-BE49-F238E27FC236}">
-                <a16:creationId xmlns="" xmlns:a16="http://schemas.microsoft.com/office/drawing/2014/main" id="{B4B68A2E-49F8-4BDA-BD1A-488169336555}"/>
+                <a16:creationId xmlns:a16="http://schemas.microsoft.com/office/drawing/2014/main" xmlns="" id="{B4B68A2E-49F8-4BDA-BD1A-488169336555}"/>
               </a:ext>
             </a:extLst>
           </p:cNvPr>
@@ -3004,7 +3006,7 @@
           <p:cNvPr id="7" name="Picture 6">
             <a:extLst>
               <a:ext uri="{FF2B5EF4-FFF2-40B4-BE49-F238E27FC236}">
-                <a16:creationId xmlns="" xmlns:a16="http://schemas.microsoft.com/office/drawing/2014/main" id="{19906801-963A-2748-A48D-2607EEFEA3B7}"/>
+                <a16:creationId xmlns:a16="http://schemas.microsoft.com/office/drawing/2014/main" xmlns="" id="{19906801-963A-2748-A48D-2607EEFEA3B7}"/>
               </a:ext>
             </a:extLst>
           </p:cNvPr>
@@ -3121,7 +3123,7 @@
           <p:cNvPr id="8" name="Picture 7">
             <a:extLst>
               <a:ext uri="{FF2B5EF4-FFF2-40B4-BE49-F238E27FC236}">
-                <a16:creationId xmlns="" xmlns:a16="http://schemas.microsoft.com/office/drawing/2014/main" id="{1CF45043-0DF6-7844-A454-194D648F98F1}"/>
+                <a16:creationId xmlns:a16="http://schemas.microsoft.com/office/drawing/2014/main" xmlns="" id="{1CF45043-0DF6-7844-A454-194D648F98F1}"/>
               </a:ext>
             </a:extLst>
           </p:cNvPr>
@@ -3151,7 +3153,7 @@
           <p:cNvPr id="10" name="Title 8">
             <a:extLst>
               <a:ext uri="{FF2B5EF4-FFF2-40B4-BE49-F238E27FC236}">
-                <a16:creationId xmlns="" xmlns:a16="http://schemas.microsoft.com/office/drawing/2014/main" id="{353C5CCE-34CF-4745-B8D7-AF744DB56245}"/>
+                <a16:creationId xmlns:a16="http://schemas.microsoft.com/office/drawing/2014/main" xmlns="" id="{353C5CCE-34CF-4745-B8D7-AF744DB56245}"/>
               </a:ext>
             </a:extLst>
           </p:cNvPr>
@@ -3366,7 +3368,7 @@
           <p:cNvPr id="7" name="Picture 6">
             <a:extLst>
               <a:ext uri="{FF2B5EF4-FFF2-40B4-BE49-F238E27FC236}">
-                <a16:creationId xmlns="" xmlns:a16="http://schemas.microsoft.com/office/drawing/2014/main" id="{19906801-963A-2748-A48D-2607EEFEA3B7}"/>
+                <a16:creationId xmlns:a16="http://schemas.microsoft.com/office/drawing/2014/main" xmlns="" id="{19906801-963A-2748-A48D-2607EEFEA3B7}"/>
               </a:ext>
             </a:extLst>
           </p:cNvPr>
@@ -4068,7 +4070,7 @@
           <p:cNvPr id="9" name="Picture 8">
             <a:extLst>
               <a:ext uri="{FF2B5EF4-FFF2-40B4-BE49-F238E27FC236}">
-                <a16:creationId xmlns="" xmlns:a16="http://schemas.microsoft.com/office/drawing/2014/main" id="{21C47469-3B03-E44C-89B5-F697BC2200BB}"/>
+                <a16:creationId xmlns:a16="http://schemas.microsoft.com/office/drawing/2014/main" xmlns="" id="{21C47469-3B03-E44C-89B5-F697BC2200BB}"/>
               </a:ext>
             </a:extLst>
           </p:cNvPr>
@@ -4231,7 +4233,7 @@
           <p:cNvPr id="7" name="Picture 6">
             <a:extLst>
               <a:ext uri="{FF2B5EF4-FFF2-40B4-BE49-F238E27FC236}">
-                <a16:creationId xmlns="" xmlns:a16="http://schemas.microsoft.com/office/drawing/2014/main" id="{19906801-963A-2748-A48D-2607EEFEA3B7}"/>
+                <a16:creationId xmlns:a16="http://schemas.microsoft.com/office/drawing/2014/main" xmlns="" id="{19906801-963A-2748-A48D-2607EEFEA3B7}"/>
               </a:ext>
             </a:extLst>
           </p:cNvPr>
@@ -5848,7 +5850,7 @@
           <p:cNvPr id="10" name="Title 1">
             <a:extLst>
               <a:ext uri="{FF2B5EF4-FFF2-40B4-BE49-F238E27FC236}">
-                <a16:creationId xmlns="" xmlns:a16="http://schemas.microsoft.com/office/drawing/2014/main" id="{B4B68A2E-49F8-4BDA-BD1A-488169336555}"/>
+                <a16:creationId xmlns:a16="http://schemas.microsoft.com/office/drawing/2014/main" xmlns="" id="{B4B68A2E-49F8-4BDA-BD1A-488169336555}"/>
               </a:ext>
             </a:extLst>
           </p:cNvPr>
@@ -6021,7 +6023,7 @@
           <p:cNvPr id="7" name="Picture 6">
             <a:extLst>
               <a:ext uri="{FF2B5EF4-FFF2-40B4-BE49-F238E27FC236}">
-                <a16:creationId xmlns="" xmlns:a16="http://schemas.microsoft.com/office/drawing/2014/main" id="{19906801-963A-2748-A48D-2607EEFEA3B7}"/>
+                <a16:creationId xmlns:a16="http://schemas.microsoft.com/office/drawing/2014/main" xmlns="" id="{19906801-963A-2748-A48D-2607EEFEA3B7}"/>
               </a:ext>
             </a:extLst>
           </p:cNvPr>
@@ -6426,7 +6428,7 @@
           <p:cNvPr id="8" name="Picture 7">
             <a:extLst>
               <a:ext uri="{FF2B5EF4-FFF2-40B4-BE49-F238E27FC236}">
-                <a16:creationId xmlns="" xmlns:a16="http://schemas.microsoft.com/office/drawing/2014/main" id="{1CF45043-0DF6-7844-A454-194D648F98F1}"/>
+                <a16:creationId xmlns:a16="http://schemas.microsoft.com/office/drawing/2014/main" xmlns="" id="{1CF45043-0DF6-7844-A454-194D648F98F1}"/>
               </a:ext>
             </a:extLst>
           </p:cNvPr>
@@ -6587,7 +6589,7 @@
           <p:cNvPr id="7" name="Picture 6">
             <a:extLst>
               <a:ext uri="{FF2B5EF4-FFF2-40B4-BE49-F238E27FC236}">
-                <a16:creationId xmlns="" xmlns:a16="http://schemas.microsoft.com/office/drawing/2014/main" id="{19906801-963A-2748-A48D-2607EEFEA3B7}"/>
+                <a16:creationId xmlns:a16="http://schemas.microsoft.com/office/drawing/2014/main" xmlns="" id="{19906801-963A-2748-A48D-2607EEFEA3B7}"/>
               </a:ext>
             </a:extLst>
           </p:cNvPr>
@@ -6779,7 +6781,7 @@
           <p:cNvPr id="6" name="Text Placeholder 6">
             <a:extLst>
               <a:ext uri="{FF2B5EF4-FFF2-40B4-BE49-F238E27FC236}">
-                <a16:creationId xmlns="" xmlns:a16="http://schemas.microsoft.com/office/drawing/2014/main" id="{6DDF5AB6-195E-47F9-91E3-98E599C01EFB}"/>
+                <a16:creationId xmlns:a16="http://schemas.microsoft.com/office/drawing/2014/main" xmlns="" id="{6DDF5AB6-195E-47F9-91E3-98E599C01EFB}"/>
               </a:ext>
             </a:extLst>
           </p:cNvPr>
@@ -6921,7 +6923,7 @@
           <p:cNvPr id="9" name="Rectangle 8">
             <a:extLst>
               <a:ext uri="{FF2B5EF4-FFF2-40B4-BE49-F238E27FC236}">
-                <a16:creationId xmlns="" xmlns:a16="http://schemas.microsoft.com/office/drawing/2014/main" id="{9CC0A6A9-FB31-4A19-A170-D23A18C938E0}"/>
+                <a16:creationId xmlns:a16="http://schemas.microsoft.com/office/drawing/2014/main" xmlns="" id="{9CC0A6A9-FB31-4A19-A170-D23A18C938E0}"/>
               </a:ext>
             </a:extLst>
           </p:cNvPr>
@@ -7401,7 +7403,7 @@
           <p:cNvPr id="9" name="Picture 8">
             <a:extLst>
               <a:ext uri="{FF2B5EF4-FFF2-40B4-BE49-F238E27FC236}">
-                <a16:creationId xmlns="" xmlns:a16="http://schemas.microsoft.com/office/drawing/2014/main" id="{320D1B1E-8401-8049-8729-0C74A6C1928C}"/>
+                <a16:creationId xmlns:a16="http://schemas.microsoft.com/office/drawing/2014/main" xmlns="" id="{320D1B1E-8401-8049-8729-0C74A6C1928C}"/>
               </a:ext>
             </a:extLst>
           </p:cNvPr>
@@ -9946,7 +9948,7 @@
           <p:cNvPr id="22" name="Picture 21">
             <a:extLst>
               <a:ext uri="{FF2B5EF4-FFF2-40B4-BE49-F238E27FC236}">
-                <a16:creationId xmlns="" xmlns:a16="http://schemas.microsoft.com/office/drawing/2014/main" id="{D2C70A87-6824-3248-B448-307E7C5BC0C9}"/>
+                <a16:creationId xmlns:a16="http://schemas.microsoft.com/office/drawing/2014/main" xmlns="" id="{D2C70A87-6824-3248-B448-307E7C5BC0C9}"/>
               </a:ext>
             </a:extLst>
           </p:cNvPr>
@@ -10588,7 +10590,7 @@
           <p:cNvPr id="9" name="Picture 8">
             <a:extLst>
               <a:ext uri="{FF2B5EF4-FFF2-40B4-BE49-F238E27FC236}">
-                <a16:creationId xmlns="" xmlns:a16="http://schemas.microsoft.com/office/drawing/2014/main" id="{21C47469-3B03-E44C-89B5-F697BC2200BB}"/>
+                <a16:creationId xmlns:a16="http://schemas.microsoft.com/office/drawing/2014/main" xmlns="" id="{21C47469-3B03-E44C-89B5-F697BC2200BB}"/>
               </a:ext>
             </a:extLst>
           </p:cNvPr>
@@ -13054,7 +13056,7 @@
           <p:cNvPr id="10" name="Title 9">
             <a:extLst>
               <a:ext uri="{FF2B5EF4-FFF2-40B4-BE49-F238E27FC236}">
-                <a16:creationId xmlns="" xmlns:a16="http://schemas.microsoft.com/office/drawing/2014/main" id="{C2C01860-88AA-4983-9D84-DB6CD67B99FA}"/>
+                <a16:creationId xmlns:a16="http://schemas.microsoft.com/office/drawing/2014/main" xmlns="" id="{C2C01860-88AA-4983-9D84-DB6CD67B99FA}"/>
               </a:ext>
             </a:extLst>
           </p:cNvPr>
@@ -13108,7 +13110,7 @@
           <p:cNvPr id="11" name="Text Placeholder 10">
             <a:extLst>
               <a:ext uri="{FF2B5EF4-FFF2-40B4-BE49-F238E27FC236}">
-                <a16:creationId xmlns="" xmlns:a16="http://schemas.microsoft.com/office/drawing/2014/main" id="{CF3D1018-5EBF-47E8-BCA9-73CE5FFDDFC4}"/>
+                <a16:creationId xmlns:a16="http://schemas.microsoft.com/office/drawing/2014/main" xmlns="" id="{CF3D1018-5EBF-47E8-BCA9-73CE5FFDDFC4}"/>
               </a:ext>
             </a:extLst>
           </p:cNvPr>
@@ -13386,12 +13388,20 @@
           <a:lstStyle/>
           <a:p>
             <a:r>
+              <a:rPr lang="en-US" dirty="0" smtClean="0"/>
+              <a:t>My repo on </a:t>
+            </a:r>
+            <a:r>
               <a:rPr lang="en-US" dirty="0" err="1" smtClean="0"/>
-              <a:t>Userful</a:t>
+              <a:t>GitHub</a:t>
             </a:r>
             <a:r>
               <a:rPr lang="en-US" dirty="0" smtClean="0"/>
-              <a:t> links</a:t>
+              <a:t> with </a:t>
+            </a:r>
+            <a:r>
+              <a:rPr lang="en-US" dirty="0" err="1" smtClean="0"/>
+              <a:t>eslint</a:t>
             </a:r>
             <a:endParaRPr lang="uk-UA" dirty="0"/>
           </a:p>
@@ -13412,6 +13422,90 @@
           <a:bodyPr/>
           <a:lstStyle/>
           <a:p>
+            <a:pPr marL="342900" indent="-342900">
+              <a:buFont typeface="Arial" panose="020B0604020202020204" pitchFamily="34" charset="0"/>
+              <a:buChar char="•"/>
+            </a:pPr>
+            <a:r>
+              <a:rPr lang="en-US" dirty="0"/>
+              <a:t>https://github.com/moran711/EXCEL</a:t>
+            </a:r>
+            <a:endParaRPr lang="uk-UA" dirty="0"/>
+          </a:p>
+        </p:txBody>
+      </p:sp>
+    </p:spTree>
+    <p:extLst>
+      <p:ext uri="{BB962C8B-B14F-4D97-AF65-F5344CB8AC3E}">
+        <p14:creationId xmlns:p14="http://schemas.microsoft.com/office/powerpoint/2010/main" val="3818500583"/>
+      </p:ext>
+    </p:extLst>
+  </p:cSld>
+  <p:clrMapOvr>
+    <a:masterClrMapping/>
+  </p:clrMapOvr>
+</p:sld>
+</file>
+
+<file path=ppt/slides/slide12.xml><?xml version="1.0" encoding="utf-8"?>
+<p:sld xmlns:a="http://schemas.openxmlformats.org/drawingml/2006/main" xmlns:r="http://schemas.openxmlformats.org/officeDocument/2006/relationships" xmlns:p="http://schemas.openxmlformats.org/presentationml/2006/main">
+  <p:cSld>
+    <p:spTree>
+      <p:nvGrpSpPr>
+        <p:cNvPr id="1" name=""/>
+        <p:cNvGrpSpPr/>
+        <p:nvPr/>
+      </p:nvGrpSpPr>
+      <p:grpSpPr>
+        <a:xfrm>
+          <a:off x="0" y="0"/>
+          <a:ext cx="0" cy="0"/>
+          <a:chOff x="0" y="0"/>
+          <a:chExt cx="0" cy="0"/>
+        </a:xfrm>
+      </p:grpSpPr>
+      <p:sp>
+        <p:nvSpPr>
+          <p:cNvPr id="2" name="Заголовок 1"/>
+          <p:cNvSpPr>
+            <a:spLocks noGrp="1"/>
+          </p:cNvSpPr>
+          <p:nvPr>
+            <p:ph type="title"/>
+          </p:nvPr>
+        </p:nvSpPr>
+        <p:spPr/>
+        <p:txBody>
+          <a:bodyPr/>
+          <a:lstStyle/>
+          <a:p>
+            <a:r>
+              <a:rPr lang="en-US" dirty="0" err="1" smtClean="0"/>
+              <a:t>Userful</a:t>
+            </a:r>
+            <a:r>
+              <a:rPr lang="en-US" dirty="0" smtClean="0"/>
+              <a:t> links</a:t>
+            </a:r>
+            <a:endParaRPr lang="uk-UA" dirty="0"/>
+          </a:p>
+        </p:txBody>
+      </p:sp>
+      <p:sp>
+        <p:nvSpPr>
+          <p:cNvPr id="3" name="Місце для тексту 2"/>
+          <p:cNvSpPr>
+            <a:spLocks noGrp="1"/>
+          </p:cNvSpPr>
+          <p:nvPr>
+            <p:ph type="body" sz="quarter" idx="10"/>
+          </p:nvPr>
+        </p:nvSpPr>
+        <p:spPr/>
+        <p:txBody>
+          <a:bodyPr/>
+          <a:lstStyle/>
+          <a:p>
             <a:r>
               <a:rPr lang="en-US" dirty="0"/>
               <a:t>http://linterrors.com/js</a:t>
@@ -13433,7 +13527,7 @@
 </p:sld>
 </file>
 
-<file path=ppt/slides/slide12.xml><?xml version="1.0" encoding="utf-8"?>
+<file path=ppt/slides/slide13.xml><?xml version="1.0" encoding="utf-8"?>
 <p:sld xmlns:a="http://schemas.openxmlformats.org/drawingml/2006/main" xmlns:r="http://schemas.openxmlformats.org/officeDocument/2006/relationships" xmlns:p="http://schemas.openxmlformats.org/presentationml/2006/main">
   <p:cSld>
     <p:spTree>
@@ -13519,7 +13613,7 @@
           <p:cNvPr id="4" name="Title 3">
             <a:extLst>
               <a:ext uri="{FF2B5EF4-FFF2-40B4-BE49-F238E27FC236}">
-                <a16:creationId xmlns="" xmlns:a16="http://schemas.microsoft.com/office/drawing/2014/main" id="{9C0E98AF-C5CD-4FAB-A01E-D24E37D15F8E}"/>
+                <a16:creationId xmlns:a16="http://schemas.microsoft.com/office/drawing/2014/main" xmlns="" id="{9C0E98AF-C5CD-4FAB-A01E-D24E37D15F8E}"/>
               </a:ext>
             </a:extLst>
           </p:cNvPr>
@@ -13548,7 +13642,7 @@
           <p:cNvPr id="5" name="Text Placeholder 4">
             <a:extLst>
               <a:ext uri="{FF2B5EF4-FFF2-40B4-BE49-F238E27FC236}">
-                <a16:creationId xmlns="" xmlns:a16="http://schemas.microsoft.com/office/drawing/2014/main" id="{2D815465-9810-4297-B7C7-CB93EFFC3510}"/>
+                <a16:creationId xmlns:a16="http://schemas.microsoft.com/office/drawing/2014/main" xmlns="" id="{2D815465-9810-4297-B7C7-CB93EFFC3510}"/>
               </a:ext>
             </a:extLst>
           </p:cNvPr>
@@ -13671,7 +13765,7 @@
           <p:cNvPr id="5" name="Text Placeholder 4">
             <a:extLst>
               <a:ext uri="{FF2B5EF4-FFF2-40B4-BE49-F238E27FC236}">
-                <a16:creationId xmlns:a16="http://schemas.microsoft.com/office/drawing/2014/main" xmlns="" id="{2D815465-9810-4297-B7C7-CB93EFFC3510}"/>
+                <a16:creationId xmlns="" xmlns:a16="http://schemas.microsoft.com/office/drawing/2014/main" id="{2D815465-9810-4297-B7C7-CB93EFFC3510}"/>
               </a:ext>
             </a:extLst>
           </p:cNvPr>
@@ -13798,7 +13892,7 @@
           <p:cNvPr id="4" name="Title 3">
             <a:extLst>
               <a:ext uri="{FF2B5EF4-FFF2-40B4-BE49-F238E27FC236}">
-                <a16:creationId xmlns:a16="http://schemas.microsoft.com/office/drawing/2014/main" xmlns="" id="{9C0E98AF-C5CD-4FAB-A01E-D24E37D15F8E}"/>
+                <a16:creationId xmlns="" xmlns:a16="http://schemas.microsoft.com/office/drawing/2014/main" id="{9C0E98AF-C5CD-4FAB-A01E-D24E37D15F8E}"/>
               </a:ext>
             </a:extLst>
           </p:cNvPr>
@@ -13823,7 +13917,7 @@
           <p:cNvPr id="5" name="Text Placeholder 4">
             <a:extLst>
               <a:ext uri="{FF2B5EF4-FFF2-40B4-BE49-F238E27FC236}">
-                <a16:creationId xmlns:a16="http://schemas.microsoft.com/office/drawing/2014/main" xmlns="" id="{2D815465-9810-4297-B7C7-CB93EFFC3510}"/>
+                <a16:creationId xmlns="" xmlns:a16="http://schemas.microsoft.com/office/drawing/2014/main" id="{2D815465-9810-4297-B7C7-CB93EFFC3510}"/>
               </a:ext>
             </a:extLst>
           </p:cNvPr>
@@ -14080,7 +14174,7 @@
           <p:cNvPr id="4" name="Title 3">
             <a:extLst>
               <a:ext uri="{FF2B5EF4-FFF2-40B4-BE49-F238E27FC236}">
-                <a16:creationId xmlns:a16="http://schemas.microsoft.com/office/drawing/2014/main" xmlns="" id="{9C0E98AF-C5CD-4FAB-A01E-D24E37D15F8E}"/>
+                <a16:creationId xmlns="" xmlns:a16="http://schemas.microsoft.com/office/drawing/2014/main" id="{9C0E98AF-C5CD-4FAB-A01E-D24E37D15F8E}"/>
               </a:ext>
             </a:extLst>
           </p:cNvPr>
@@ -14129,7 +14223,7 @@
           <p:cNvPr id="5" name="Text Placeholder 4">
             <a:extLst>
               <a:ext uri="{FF2B5EF4-FFF2-40B4-BE49-F238E27FC236}">
-                <a16:creationId xmlns:a16="http://schemas.microsoft.com/office/drawing/2014/main" xmlns="" id="{2D815465-9810-4297-B7C7-CB93EFFC3510}"/>
+                <a16:creationId xmlns="" xmlns:a16="http://schemas.microsoft.com/office/drawing/2014/main" id="{2D815465-9810-4297-B7C7-CB93EFFC3510}"/>
               </a:ext>
             </a:extLst>
           </p:cNvPr>
@@ -14271,7 +14365,7 @@
           <p:cNvPr id="4" name="Title 3">
             <a:extLst>
               <a:ext uri="{FF2B5EF4-FFF2-40B4-BE49-F238E27FC236}">
-                <a16:creationId xmlns:a16="http://schemas.microsoft.com/office/drawing/2014/main" xmlns="" id="{9C0E98AF-C5CD-4FAB-A01E-D24E37D15F8E}"/>
+                <a16:creationId xmlns="" xmlns:a16="http://schemas.microsoft.com/office/drawing/2014/main" id="{9C0E98AF-C5CD-4FAB-A01E-D24E37D15F8E}"/>
               </a:ext>
             </a:extLst>
           </p:cNvPr>
@@ -14309,7 +14403,7 @@
           <p:cNvPr id="5" name="Text Placeholder 4">
             <a:extLst>
               <a:ext uri="{FF2B5EF4-FFF2-40B4-BE49-F238E27FC236}">
-                <a16:creationId xmlns:a16="http://schemas.microsoft.com/office/drawing/2014/main" xmlns="" id="{2D815465-9810-4297-B7C7-CB93EFFC3510}"/>
+                <a16:creationId xmlns="" xmlns:a16="http://schemas.microsoft.com/office/drawing/2014/main" id="{2D815465-9810-4297-B7C7-CB93EFFC3510}"/>
               </a:ext>
             </a:extLst>
           </p:cNvPr>
@@ -15769,6 +15863,15 @@
 </file>
 
 <file path=customXml/item2.xml><?xml version="1.0" encoding="utf-8"?>
+<?mso-contentType ?>
+<FormTemplates xmlns="http://schemas.microsoft.com/sharepoint/v3/contenttype/forms">
+  <Display>DocumentLibraryForm</Display>
+  <Edit>DocumentLibraryForm</Edit>
+  <New>DocumentLibraryForm</New>
+</FormTemplates>
+</file>
+
+<file path=customXml/item3.xml><?xml version="1.0" encoding="utf-8"?>
 <ct:contentTypeSchema xmlns:ct="http://schemas.microsoft.com/office/2006/metadata/contentType" xmlns:ma="http://schemas.microsoft.com/office/2006/metadata/properties/metaAttributes" ct:_="" ma:_="" ma:contentTypeName="Document" ma:contentTypeID="0x0101004195FC54A15F344D83577B1CDDD67A5D" ma:contentTypeVersion="13" ma:contentTypeDescription="Create a new document." ma:contentTypeScope="" ma:versionID="30ded57c9b2156718eb8cc7b0e4246dc">
   <xsd:schema xmlns:xsd="http://www.w3.org/2001/XMLSchema" xmlns:xs="http://www.w3.org/2001/XMLSchema" xmlns:p="http://schemas.microsoft.com/office/2006/metadata/properties" xmlns:ns2="341e6018-ac0a-4dfb-8409-db9e0d25502e" xmlns:ns3="835f28f2-30f1-4728-84d2-86d96e143488" targetNamespace="http://schemas.microsoft.com/office/2006/metadata/properties" ma:root="true" ma:fieldsID="a0d1831635397921c92a19e568dfc949" ns2:_="" ns3:_="">
     <xsd:import namespace="341e6018-ac0a-4dfb-8409-db9e0d25502e"/>
@@ -15993,15 +16096,6 @@
 </ct:contentTypeSchema>
 </file>
 
-<file path=customXml/item3.xml><?xml version="1.0" encoding="utf-8"?>
-<?mso-contentType ?>
-<FormTemplates xmlns="http://schemas.microsoft.com/sharepoint/v3/contenttype/forms">
-  <Display>DocumentLibraryForm</Display>
-  <Edit>DocumentLibraryForm</Edit>
-  <New>DocumentLibraryForm</New>
-</FormTemplates>
-</file>
-
 <file path=customXml/itemProps1.xml><?xml version="1.0" encoding="utf-8"?>
 <ds:datastoreItem xmlns:ds="http://schemas.openxmlformats.org/officeDocument/2006/customXml" ds:itemID="{E9033E08-7FE9-4F6D-B155-A8777B4A5A57}">
   <ds:schemaRefs>
@@ -16020,6 +16114,14 @@
 </file>
 
 <file path=customXml/itemProps2.xml><?xml version="1.0" encoding="utf-8"?>
+<ds:datastoreItem xmlns:ds="http://schemas.openxmlformats.org/officeDocument/2006/customXml" ds:itemID="{296B3B9E-03D8-4766-BF45-6129617CF026}">
+  <ds:schemaRefs>
+    <ds:schemaRef ds:uri="http://schemas.microsoft.com/sharepoint/v3/contenttype/forms"/>
+  </ds:schemaRefs>
+</ds:datastoreItem>
+</file>
+
+<file path=customXml/itemProps3.xml><?xml version="1.0" encoding="utf-8"?>
 <ds:datastoreItem xmlns:ds="http://schemas.openxmlformats.org/officeDocument/2006/customXml" ds:itemID="{5BCFD5A9-9FF3-42E0-89D7-BF5BFC61DD60}">
   <ds:schemaRefs>
     <ds:schemaRef ds:uri="341e6018-ac0a-4dfb-8409-db9e0d25502e"/>
@@ -16036,12 +16138,4 @@
     <ds:schemaRef ds:uri="http://www.w3.org/2001/XMLSchema"/>
   </ds:schemaRefs>
 </ds:datastoreItem>
-</file>
-
-<file path=customXml/itemProps3.xml><?xml version="1.0" encoding="utf-8"?>
-<ds:datastoreItem xmlns:ds="http://schemas.openxmlformats.org/officeDocument/2006/customXml" ds:itemID="{296B3B9E-03D8-4766-BF45-6129617CF026}">
-  <ds:schemaRefs>
-    <ds:schemaRef ds:uri="http://schemas.microsoft.com/sharepoint/v3/contenttype/forms"/>
-  </ds:schemaRefs>
-</ds:datastoreItem>
 </file>